--- a/conferens.pptx
+++ b/conferens.pptx
@@ -4654,6 +4654,90 @@
           </a:p>
         </p:txBody>
       </p:sp>
+      <p:sp>
+        <p:nvSpPr>
+          <p:cNvPr id="3" name="TextBox 2"/>
+          <p:cNvSpPr txBox="1"/>
+          <p:nvPr/>
+        </p:nvSpPr>
+        <p:spPr>
+          <a:xfrm>
+            <a:off x="7367752" y="4214648"/>
+            <a:ext cx="4393324" cy="1200329"/>
+          </a:xfrm>
+          <a:prstGeom prst="rect">
+            <a:avLst/>
+          </a:prstGeom>
+          <a:noFill/>
+        </p:spPr>
+        <p:txBody>
+          <a:bodyPr wrap="square" rtlCol="0">
+            <a:spAutoFit/>
+          </a:bodyPr>
+          <a:lstStyle/>
+          <a:p>
+            <a:r>
+              <a:rPr lang="ru-RU" dirty="0" smtClean="0"/>
+              <a:t>Студенты группы ПИ-3-16: </a:t>
+            </a:r>
+            <a:r>
+              <a:rPr lang="ru-RU" dirty="0" err="1" smtClean="0"/>
+              <a:t>Калыков</a:t>
+            </a:r>
+            <a:r>
+              <a:rPr lang="ru-RU" dirty="0" smtClean="0"/>
+              <a:t> </a:t>
+            </a:r>
+            <a:r>
+              <a:rPr lang="ru-RU" dirty="0"/>
+              <a:t>А.</a:t>
+            </a:r>
+            <a:endParaRPr lang="ru-RU" dirty="0" smtClean="0"/>
+          </a:p>
+          <a:p>
+            <a:r>
+              <a:rPr lang="ru-RU" dirty="0"/>
+              <a:t>	</a:t>
+            </a:r>
+            <a:r>
+              <a:rPr lang="ru-RU" dirty="0" smtClean="0"/>
+              <a:t>		  Юсупов   А.</a:t>
+            </a:r>
+          </a:p>
+          <a:p>
+            <a:r>
+              <a:rPr lang="ru-RU" dirty="0"/>
+              <a:t>	</a:t>
+            </a:r>
+            <a:r>
+              <a:rPr lang="ru-RU" dirty="0" smtClean="0"/>
+              <a:t>		  </a:t>
+            </a:r>
+            <a:r>
+              <a:rPr lang="ru-RU" dirty="0" err="1" smtClean="0"/>
+              <a:t>Эргешов</a:t>
+            </a:r>
+            <a:r>
+              <a:rPr lang="ru-RU" dirty="0" smtClean="0"/>
+              <a:t> А.</a:t>
+            </a:r>
+          </a:p>
+          <a:p>
+            <a:r>
+              <a:rPr lang="ru-RU" dirty="0" smtClean="0"/>
+              <a:t>Руководитель: </a:t>
+            </a:r>
+            <a:r>
+              <a:rPr lang="ru-RU" dirty="0" err="1" smtClean="0"/>
+              <a:t>Ашымова</a:t>
+            </a:r>
+            <a:r>
+              <a:rPr lang="ru-RU" dirty="0" smtClean="0"/>
+              <a:t> А. Ж.</a:t>
+            </a:r>
+          </a:p>
+        </p:txBody>
+      </p:sp>
     </p:spTree>
     <p:extLst>
       <p:ext uri="{BB962C8B-B14F-4D97-AF65-F5344CB8AC3E}">
@@ -5220,14 +5304,6 @@
               </a:rPr>
               <a:t>общепита, тем самым сэкономить время посетителям, а также помочь заведениям устранить возникновение больших очередей</a:t>
             </a:r>
-            <a:endParaRPr lang="ru-RU" sz="2400" dirty="0">
-              <a:solidFill>
-                <a:schemeClr val="tx2">
-                  <a:lumMod val="95000"/>
-                  <a:lumOff val="5000"/>
-                </a:schemeClr>
-              </a:solidFill>
-            </a:endParaRPr>
           </a:p>
         </p:txBody>
       </p:sp>

--- a/conferens.pptx
+++ b/conferens.pptx
@@ -5,10 +5,10 @@
     <p:sldMasterId id="2147483648" r:id="rId1"/>
   </p:sldMasterIdLst>
   <p:notesMasterIdLst>
-    <p:notesMasterId r:id="rId12"/>
+    <p:notesMasterId r:id="rId13"/>
   </p:notesMasterIdLst>
   <p:handoutMasterIdLst>
-    <p:handoutMasterId r:id="rId13"/>
+    <p:handoutMasterId r:id="rId14"/>
   </p:handoutMasterIdLst>
   <p:sldIdLst>
     <p:sldId id="277" r:id="rId2"/>
@@ -19,8 +19,9 @@
     <p:sldId id="278" r:id="rId7"/>
     <p:sldId id="280" r:id="rId8"/>
     <p:sldId id="283" r:id="rId9"/>
-    <p:sldId id="281" r:id="rId10"/>
-    <p:sldId id="282" r:id="rId11"/>
+    <p:sldId id="284" r:id="rId10"/>
+    <p:sldId id="281" r:id="rId11"/>
+    <p:sldId id="282" r:id="rId12"/>
   </p:sldIdLst>
   <p:sldSz cx="12192000" cy="6858000"/>
   <p:notesSz cx="6858000" cy="9144000"/>
@@ -225,7 +226,7 @@
             <a:pPr rtl="0"/>
             <a:fld id="{01B8FEED-3FEE-4866-B7FC-D7068D7F7017}" type="datetime1">
               <a:rPr lang="ru-RU" smtClean="0"/>
-              <a:t>05.04.2018</a:t>
+              <a:t>06.04.2018</a:t>
             </a:fld>
             <a:endParaRPr lang="ru-RU" dirty="0"/>
           </a:p>
@@ -395,7 +396,7 @@
             <a:pPr rtl="0"/>
             <a:fld id="{33FC9C95-8E68-4902-ADDF-74C1A65F7A95}" type="datetime1">
               <a:rPr lang="ru-RU" noProof="0" smtClean="0"/>
-              <a:t>05.04.2018</a:t>
+              <a:t>06.04.2018</a:t>
             </a:fld>
             <a:endParaRPr lang="ru-RU" noProof="0" dirty="0"/>
           </a:p>
@@ -1458,9 +1459,9 @@
           <a:lstStyle/>
           <a:p>
             <a:pPr rtl="0"/>
-            <a:fld id="{75402B95-7679-482D-A422-4EACFBC29533}" type="datetime1">
-              <a:rPr lang="ru-RU" noProof="0" smtClean="0"/>
-              <a:t>05.04.2018</a:t>
+            <a:fld id="{D6F3B62C-E943-456D-B63C-2507BF81F297}" type="datetime1">
+              <a:rPr lang="ru-RU" noProof="0" smtClean="0"/>
+              <a:t>06.04.2018</a:t>
             </a:fld>
             <a:endParaRPr lang="ru-RU" noProof="0" dirty="0"/>
           </a:p>
@@ -1658,9 +1659,9 @@
           <a:lstStyle/>
           <a:p>
             <a:pPr rtl="0"/>
-            <a:fld id="{6FF72A1C-BD29-4D93-B585-4FBE8D28F723}" type="datetime1">
-              <a:rPr lang="ru-RU" noProof="0" smtClean="0"/>
-              <a:t>05.04.2018</a:t>
+            <a:fld id="{B4A3D788-2C5C-4689-8340-04195D07C72F}" type="datetime1">
+              <a:rPr lang="ru-RU" noProof="0" smtClean="0"/>
+              <a:t>06.04.2018</a:t>
             </a:fld>
             <a:endParaRPr lang="ru-RU" noProof="0" dirty="0"/>
           </a:p>
@@ -1848,9 +1849,9 @@
           <a:lstStyle/>
           <a:p>
             <a:pPr rtl="0"/>
-            <a:fld id="{4FF2E62D-1665-4D59-B162-2DE5A6F04318}" type="datetime1">
-              <a:rPr lang="ru-RU" noProof="0" smtClean="0"/>
-              <a:t>05.04.2018</a:t>
+            <a:fld id="{745C557A-83F7-439F-9B29-7ECB3662BA3D}" type="datetime1">
+              <a:rPr lang="ru-RU" noProof="0" smtClean="0"/>
+              <a:t>06.04.2018</a:t>
             </a:fld>
             <a:endParaRPr lang="ru-RU" noProof="0" dirty="0"/>
           </a:p>
@@ -2402,9 +2403,9 @@
           <a:lstStyle/>
           <a:p>
             <a:pPr rtl="0"/>
-            <a:fld id="{B8030614-4367-4221-93B4-E934B777FC81}" type="datetime1">
-              <a:rPr lang="ru-RU" noProof="0" smtClean="0"/>
-              <a:t>05.04.2018</a:t>
+            <a:fld id="{FF4968D8-080E-4341-B7A1-6F3C80C953EA}" type="datetime1">
+              <a:rPr lang="ru-RU" noProof="0" smtClean="0"/>
+              <a:t>06.04.2018</a:t>
             </a:fld>
             <a:endParaRPr lang="ru-RU" noProof="0" dirty="0"/>
           </a:p>
@@ -2854,9 +2855,9 @@
           <a:lstStyle/>
           <a:p>
             <a:pPr rtl="0"/>
-            <a:fld id="{E2F5BD2F-801C-4DA8-94DB-7CA64FE6C124}" type="datetime1">
-              <a:rPr lang="ru-RU" noProof="0" smtClean="0"/>
-              <a:t>05.04.2018</a:t>
+            <a:fld id="{493C81B2-2736-455F-8144-BE7B73B06EB0}" type="datetime1">
+              <a:rPr lang="ru-RU" noProof="0" smtClean="0"/>
+              <a:t>06.04.2018</a:t>
             </a:fld>
             <a:endParaRPr lang="ru-RU" noProof="0" dirty="0"/>
           </a:p>
@@ -2992,9 +2993,9 @@
           <a:lstStyle/>
           <a:p>
             <a:pPr rtl="0"/>
-            <a:fld id="{6226B646-4C5C-451E-8746-83027F7A25BA}" type="datetime1">
-              <a:rPr lang="ru-RU" noProof="0" smtClean="0"/>
-              <a:t>05.04.2018</a:t>
+            <a:fld id="{0E9125CC-7134-4782-A5EF-A54906F12549}" type="datetime1">
+              <a:rPr lang="ru-RU" noProof="0" smtClean="0"/>
+              <a:t>06.04.2018</a:t>
             </a:fld>
             <a:endParaRPr lang="ru-RU" noProof="0" dirty="0"/>
           </a:p>
@@ -3106,9 +3107,9 @@
           <a:lstStyle/>
           <a:p>
             <a:pPr rtl="0"/>
-            <a:fld id="{9EA71558-662B-4606-8C16-034FA3BBEDCA}" type="datetime1">
-              <a:rPr lang="ru-RU" noProof="0" smtClean="0"/>
-              <a:t>05.04.2018</a:t>
+            <a:fld id="{2D297ECF-DBD9-4FDF-9FE5-657B8CC652A2}" type="datetime1">
+              <a:rPr lang="ru-RU" noProof="0" smtClean="0"/>
+              <a:t>06.04.2018</a:t>
             </a:fld>
             <a:endParaRPr lang="ru-RU" noProof="0" dirty="0"/>
           </a:p>
@@ -3495,9 +3496,9 @@
           <a:lstStyle/>
           <a:p>
             <a:pPr rtl="0"/>
-            <a:fld id="{F43CD2CC-BE6D-49A2-972A-1C0882E50B7C}" type="datetime1">
-              <a:rPr lang="ru-RU" noProof="0" smtClean="0"/>
-              <a:t>05.04.2018</a:t>
+            <a:fld id="{765DBECD-C268-4650-A7FF-098B734DEDB1}" type="datetime1">
+              <a:rPr lang="ru-RU" noProof="0" smtClean="0"/>
+              <a:t>06.04.2018</a:t>
             </a:fld>
             <a:endParaRPr lang="ru-RU" noProof="0" dirty="0"/>
           </a:p>
@@ -3825,9 +3826,9 @@
           <a:lstStyle/>
           <a:p>
             <a:pPr rtl="0"/>
-            <a:fld id="{1EFDA024-F102-4B72-AA0D-6F32724066B7}" type="datetime1">
-              <a:rPr lang="ru-RU" noProof="0" smtClean="0"/>
-              <a:t>05.04.2018</a:t>
+            <a:fld id="{B5FA5AA1-ACF0-4E0B-BF5F-E4BCFDD62A78}" type="datetime1">
+              <a:rPr lang="ru-RU" noProof="0" smtClean="0"/>
+              <a:t>06.04.2018</a:t>
             </a:fld>
             <a:endParaRPr lang="ru-RU" noProof="0" dirty="0"/>
           </a:p>
@@ -4131,9 +4132,9 @@
           </a:lstStyle>
           <a:p>
             <a:pPr rtl="0"/>
-            <a:fld id="{25C6DECE-EE57-40D1-BFE5-F20B23D9A736}" type="datetime1">
-              <a:rPr lang="ru-RU" noProof="0" smtClean="0"/>
-              <a:t>05.04.2018</a:t>
+            <a:fld id="{0CAB78A3-147F-455F-9665-E6FE0F99B97F}" type="datetime1">
+              <a:rPr lang="ru-RU" noProof="0" smtClean="0"/>
+              <a:t>06.04.2018</a:t>
             </a:fld>
             <a:endParaRPr lang="ru-RU" noProof="0" dirty="0"/>
           </a:p>
@@ -4264,7 +4265,7 @@
       </p:transition>
     </mc:Fallback>
   </mc:AlternateContent>
-  <p:hf sldNum="0" hdr="0" ftr="0" dt="0"/>
+  <p:hf hdr="0" ftr="0" dt="0"/>
   <p:txStyles>
     <p:titleStyle>
       <a:lvl1pPr algn="l" defTabSz="914400" rtl="0" eaLnBrk="1" latinLnBrk="0" hangingPunct="1">
@@ -4643,12 +4644,28 @@
               <a:t>Разработка </a:t>
             </a:r>
             <a:r>
+              <a:rPr lang="ru-RU" sz="4800" dirty="0" smtClean="0"/>
+              <a:t>Мобильного</a:t>
+            </a:r>
+            <a:r>
               <a:rPr lang="en-US" sz="4800" dirty="0" smtClean="0"/>
-              <a:t>web – </a:t>
+              <a:t> </a:t>
+            </a:r>
+            <a:r>
+              <a:rPr lang="en-US" sz="4800" dirty="0" smtClean="0"/>
+              <a:t>– </a:t>
             </a:r>
             <a:r>
               <a:rPr lang="ru-RU" sz="4800" dirty="0" smtClean="0"/>
-              <a:t>ориентированной системы принятия и обработки заказов клиентов для пунктов общественного питания</a:t>
+              <a:t>приложения</a:t>
+            </a:r>
+            <a:r>
+              <a:rPr lang="ru-RU" sz="4800" dirty="0" smtClean="0"/>
+              <a:t> </a:t>
+            </a:r>
+            <a:r>
+              <a:rPr lang="ru-RU" sz="4800" dirty="0" smtClean="0"/>
+              <a:t>принятия и обработки заказов клиентов для пунктов общественного питания</a:t>
             </a:r>
             <a:endParaRPr lang="ru-RU" sz="4800" dirty="0"/>
           </a:p>
@@ -4678,15 +4695,11 @@
           <a:p>
             <a:r>
               <a:rPr lang="ru-RU" dirty="0" smtClean="0"/>
-              <a:t>Студенты группы ПИ-3-16: </a:t>
-            </a:r>
-            <a:r>
-              <a:rPr lang="ru-RU" dirty="0" err="1" smtClean="0"/>
-              <a:t>Калыков</a:t>
+              <a:t>Студенты </a:t>
             </a:r>
             <a:r>
               <a:rPr lang="ru-RU" dirty="0" smtClean="0"/>
-              <a:t> </a:t>
+              <a:t>группы ПИ-3-16: Калыков </a:t>
             </a:r>
             <a:r>
               <a:rPr lang="ru-RU" dirty="0"/>
@@ -4711,29 +4724,13 @@
             </a:r>
             <a:r>
               <a:rPr lang="ru-RU" dirty="0" smtClean="0"/>
-              <a:t>		  </a:t>
-            </a:r>
-            <a:r>
-              <a:rPr lang="ru-RU" dirty="0" err="1" smtClean="0"/>
-              <a:t>Эргешов</a:t>
-            </a:r>
+              <a:t>		  Эргешов А.</a:t>
+            </a:r>
+          </a:p>
+          <a:p>
             <a:r>
               <a:rPr lang="ru-RU" dirty="0" smtClean="0"/>
-              <a:t> А.</a:t>
-            </a:r>
-          </a:p>
-          <a:p>
-            <a:r>
-              <a:rPr lang="ru-RU" dirty="0" smtClean="0"/>
-              <a:t>Руководитель: </a:t>
-            </a:r>
-            <a:r>
-              <a:rPr lang="ru-RU" dirty="0" err="1" smtClean="0"/>
-              <a:t>Ашымова</a:t>
-            </a:r>
-            <a:r>
-              <a:rPr lang="ru-RU" dirty="0" smtClean="0"/>
-              <a:t> А. Ж.</a:t>
+              <a:t>Руководитель: Ашымова А. Ж.</a:t>
             </a:r>
           </a:p>
         </p:txBody>
@@ -4794,6 +4791,251 @@
             <a:spLocks noGrp="1"/>
           </p:cNvSpPr>
           <p:nvPr>
+            <p:ph type="title"/>
+          </p:nvPr>
+        </p:nvSpPr>
+        <p:spPr>
+          <a:xfrm>
+            <a:off x="1269275" y="487679"/>
+            <a:ext cx="9601200" cy="627017"/>
+          </a:xfrm>
+        </p:spPr>
+        <p:txBody>
+          <a:bodyPr/>
+          <a:lstStyle/>
+          <a:p>
+            <a:pPr algn="ctr"/>
+            <a:r>
+              <a:rPr lang="ru-RU" dirty="0" smtClean="0"/>
+              <a:t>Нефункциональные требования</a:t>
+            </a:r>
+            <a:endParaRPr lang="ru-RU" dirty="0"/>
+          </a:p>
+        </p:txBody>
+      </p:sp>
+      <p:sp>
+        <p:nvSpPr>
+          <p:cNvPr id="3" name="Прямоугольник 2"/>
+          <p:cNvSpPr/>
+          <p:nvPr/>
+        </p:nvSpPr>
+        <p:spPr>
+          <a:xfrm>
+            <a:off x="1924594" y="1523999"/>
+            <a:ext cx="7071360" cy="3416320"/>
+          </a:xfrm>
+          <a:prstGeom prst="rect">
+            <a:avLst/>
+          </a:prstGeom>
+        </p:spPr>
+        <p:txBody>
+          <a:bodyPr wrap="square">
+            <a:spAutoFit/>
+          </a:bodyPr>
+          <a:lstStyle/>
+          <a:p>
+            <a:pPr marL="285750" indent="-285750">
+              <a:buFont typeface="Arial" panose="020B0604020202020204" pitchFamily="34" charset="0"/>
+              <a:buChar char="•"/>
+            </a:pPr>
+            <a:r>
+              <a:rPr lang="ru-RU" sz="2400" dirty="0" smtClean="0">
+                <a:solidFill>
+                  <a:schemeClr val="tx2"/>
+                </a:solidFill>
+              </a:rPr>
+              <a:t>Внешние </a:t>
+            </a:r>
+            <a:r>
+              <a:rPr lang="en-US" sz="2400" dirty="0" smtClean="0">
+                <a:solidFill>
+                  <a:schemeClr val="tx2"/>
+                </a:solidFill>
+              </a:rPr>
+              <a:t>API</a:t>
+            </a:r>
+          </a:p>
+          <a:p>
+            <a:pPr marL="742950" lvl="1" indent="-285750">
+              <a:buFont typeface="Arial" panose="020B0604020202020204" pitchFamily="34" charset="0"/>
+              <a:buChar char="•"/>
+            </a:pPr>
+            <a:r>
+              <a:rPr lang="ru-RU" sz="2400" dirty="0" smtClean="0">
+                <a:solidFill>
+                  <a:schemeClr val="tx2"/>
+                </a:solidFill>
+              </a:rPr>
+              <a:t>Карта</a:t>
+            </a:r>
+            <a:endParaRPr lang="ru-RU" sz="2400" dirty="0" smtClean="0">
+              <a:solidFill>
+                <a:schemeClr val="tx2"/>
+              </a:solidFill>
+            </a:endParaRPr>
+          </a:p>
+          <a:p>
+            <a:pPr marL="742950" lvl="1" indent="-285750">
+              <a:buFont typeface="Arial" panose="020B0604020202020204" pitchFamily="34" charset="0"/>
+              <a:buChar char="•"/>
+            </a:pPr>
+            <a:r>
+              <a:rPr lang="ru-RU" sz="2400" dirty="0" smtClean="0">
+                <a:solidFill>
+                  <a:schemeClr val="tx2"/>
+                </a:solidFill>
+              </a:rPr>
+              <a:t>Платежные системы</a:t>
+            </a:r>
+          </a:p>
+          <a:p>
+            <a:pPr marL="285750" indent="-285750">
+              <a:buFont typeface="Arial" panose="020B0604020202020204" pitchFamily="34" charset="0"/>
+              <a:buChar char="•"/>
+            </a:pPr>
+            <a:endParaRPr lang="ru-RU" sz="2400" dirty="0" smtClean="0">
+              <a:solidFill>
+                <a:schemeClr val="tx2"/>
+              </a:solidFill>
+            </a:endParaRPr>
+          </a:p>
+          <a:p>
+            <a:pPr marL="285750" indent="-285750">
+              <a:buFont typeface="Arial" panose="020B0604020202020204" pitchFamily="34" charset="0"/>
+              <a:buChar char="•"/>
+            </a:pPr>
+            <a:endParaRPr lang="en-US" sz="2400" dirty="0" smtClean="0">
+              <a:solidFill>
+                <a:schemeClr val="tx2"/>
+              </a:solidFill>
+            </a:endParaRPr>
+          </a:p>
+          <a:p>
+            <a:pPr marL="285750" indent="-285750">
+              <a:buFont typeface="Arial" panose="020B0604020202020204" pitchFamily="34" charset="0"/>
+              <a:buChar char="•"/>
+            </a:pPr>
+            <a:endParaRPr lang="en-US" sz="2400" dirty="0">
+              <a:solidFill>
+                <a:schemeClr val="tx2"/>
+              </a:solidFill>
+            </a:endParaRPr>
+          </a:p>
+          <a:p>
+            <a:pPr marL="285750" indent="-285750">
+              <a:buFont typeface="Arial" panose="020B0604020202020204" pitchFamily="34" charset="0"/>
+              <a:buChar char="•"/>
+            </a:pPr>
+            <a:endParaRPr lang="en-US" sz="2400" dirty="0" smtClean="0">
+              <a:solidFill>
+                <a:schemeClr val="tx2"/>
+              </a:solidFill>
+            </a:endParaRPr>
+          </a:p>
+          <a:p>
+            <a:pPr marL="285750" indent="-285750">
+              <a:buFont typeface="Arial" panose="020B0604020202020204" pitchFamily="34" charset="0"/>
+              <a:buChar char="•"/>
+            </a:pPr>
+            <a:endParaRPr lang="en-US" sz="2400" dirty="0">
+              <a:solidFill>
+                <a:schemeClr val="tx2"/>
+              </a:solidFill>
+            </a:endParaRPr>
+          </a:p>
+          <a:p>
+            <a:pPr marL="285750" indent="-285750">
+              <a:buFont typeface="Arial" panose="020B0604020202020204" pitchFamily="34" charset="0"/>
+              <a:buChar char="•"/>
+            </a:pPr>
+            <a:endParaRPr lang="ru-RU" sz="2400" dirty="0" smtClean="0">
+              <a:solidFill>
+                <a:schemeClr val="tx2"/>
+              </a:solidFill>
+            </a:endParaRPr>
+          </a:p>
+        </p:txBody>
+      </p:sp>
+      <p:sp>
+        <p:nvSpPr>
+          <p:cNvPr id="4" name="Номер слайда 3"/>
+          <p:cNvSpPr>
+            <a:spLocks noGrp="1"/>
+          </p:cNvSpPr>
+          <p:nvPr>
+            <p:ph type="sldNum" sz="quarter" idx="12"/>
+          </p:nvPr>
+        </p:nvSpPr>
+        <p:spPr/>
+        <p:txBody>
+          <a:bodyPr/>
+          <a:lstStyle/>
+          <a:p>
+            <a:pPr rtl="0"/>
+            <a:fld id="{E31375A4-56A4-47D6-9801-1991572033F7}" type="slidenum">
+              <a:rPr lang="ru-RU" noProof="0" smtClean="0"/>
+              <a:t>10</a:t>
+            </a:fld>
+            <a:endParaRPr lang="ru-RU" noProof="0" dirty="0"/>
+          </a:p>
+        </p:txBody>
+      </p:sp>
+    </p:spTree>
+    <p:extLst>
+      <p:ext uri="{BB962C8B-B14F-4D97-AF65-F5344CB8AC3E}">
+        <p14:creationId xmlns:p14="http://schemas.microsoft.com/office/powerpoint/2010/main" val="1177478867"/>
+      </p:ext>
+    </p:extLst>
+  </p:cSld>
+  <p:clrMapOvr>
+    <a:masterClrMapping/>
+  </p:clrMapOvr>
+  <mc:AlternateContent xmlns:mc="http://schemas.openxmlformats.org/markup-compatibility/2006" xmlns:p14="http://schemas.microsoft.com/office/powerpoint/2010/main">
+    <mc:Choice Requires="p14">
+      <p:transition spd="med" p14:dur="700">
+        <p:fade/>
+      </p:transition>
+    </mc:Choice>
+    <mc:Fallback xmlns="">
+      <p:transition spd="med">
+        <p:fade/>
+      </p:transition>
+    </mc:Fallback>
+  </mc:AlternateContent>
+  <p:timing>
+    <p:tnLst>
+      <p:par>
+        <p:cTn id="1" dur="indefinite" restart="never" nodeType="tmRoot"/>
+      </p:par>
+    </p:tnLst>
+  </p:timing>
+</p:sld>
+</file>
+
+<file path=ppt/slides/slide11.xml><?xml version="1.0" encoding="utf-8"?>
+<p:sld xmlns:a="http://schemas.openxmlformats.org/drawingml/2006/main" xmlns:r="http://schemas.openxmlformats.org/officeDocument/2006/relationships" xmlns:p="http://schemas.openxmlformats.org/presentationml/2006/main">
+  <p:cSld>
+    <p:spTree>
+      <p:nvGrpSpPr>
+        <p:cNvPr id="1" name=""/>
+        <p:cNvGrpSpPr/>
+        <p:nvPr/>
+      </p:nvGrpSpPr>
+      <p:grpSpPr>
+        <a:xfrm>
+          <a:off x="0" y="0"/>
+          <a:ext cx="0" cy="0"/>
+          <a:chOff x="0" y="0"/>
+          <a:chExt cx="0" cy="0"/>
+        </a:xfrm>
+      </p:grpSpPr>
+      <p:sp>
+        <p:nvSpPr>
+          <p:cNvPr id="2" name="Заголовок 1"/>
+          <p:cNvSpPr>
+            <a:spLocks noGrp="1"/>
+          </p:cNvSpPr>
+          <p:nvPr>
             <p:ph type="ctrTitle"/>
           </p:nvPr>
         </p:nvSpPr>
@@ -4992,6 +5234,30 @@
           </a:p>
         </p:txBody>
       </p:sp>
+      <p:sp>
+        <p:nvSpPr>
+          <p:cNvPr id="4" name="Номер слайда 3"/>
+          <p:cNvSpPr>
+            <a:spLocks noGrp="1"/>
+          </p:cNvSpPr>
+          <p:nvPr>
+            <p:ph type="sldNum" sz="quarter" idx="12"/>
+          </p:nvPr>
+        </p:nvSpPr>
+        <p:spPr/>
+        <p:txBody>
+          <a:bodyPr/>
+          <a:lstStyle/>
+          <a:p>
+            <a:pPr rtl="0"/>
+            <a:fld id="{E31375A4-56A4-47D6-9801-1991572033F7}" type="slidenum">
+              <a:rPr lang="ru-RU" noProof="0" smtClean="0"/>
+              <a:t>2</a:t>
+            </a:fld>
+            <a:endParaRPr lang="ru-RU" noProof="0" dirty="0"/>
+          </a:p>
+        </p:txBody>
+      </p:sp>
     </p:spTree>
     <p:extLst>
       <p:ext uri="{BB962C8B-B14F-4D97-AF65-F5344CB8AC3E}">
@@ -5165,6 +5431,30 @@
           </a:xfrm>
         </p:spPr>
       </p:pic>
+      <p:sp>
+        <p:nvSpPr>
+          <p:cNvPr id="3" name="Номер слайда 2"/>
+          <p:cNvSpPr>
+            <a:spLocks noGrp="1"/>
+          </p:cNvSpPr>
+          <p:nvPr>
+            <p:ph type="sldNum" sz="quarter" idx="12"/>
+          </p:nvPr>
+        </p:nvSpPr>
+        <p:spPr/>
+        <p:txBody>
+          <a:bodyPr/>
+          <a:lstStyle/>
+          <a:p>
+            <a:pPr rtl="0"/>
+            <a:fld id="{E31375A4-56A4-47D6-9801-1991572033F7}" type="slidenum">
+              <a:rPr lang="ru-RU" noProof="0" smtClean="0"/>
+              <a:t>3</a:t>
+            </a:fld>
+            <a:endParaRPr lang="ru-RU" noProof="0" dirty="0"/>
+          </a:p>
+        </p:txBody>
+      </p:sp>
     </p:spTree>
     <p:extLst>
       <p:ext uri="{BB962C8B-B14F-4D97-AF65-F5344CB8AC3E}">
@@ -5336,6 +5626,30 @@
           </a:xfrm>
         </p:spPr>
       </p:pic>
+      <p:sp>
+        <p:nvSpPr>
+          <p:cNvPr id="4" name="Номер слайда 3"/>
+          <p:cNvSpPr>
+            <a:spLocks noGrp="1"/>
+          </p:cNvSpPr>
+          <p:nvPr>
+            <p:ph type="sldNum" sz="quarter" idx="12"/>
+          </p:nvPr>
+        </p:nvSpPr>
+        <p:spPr/>
+        <p:txBody>
+          <a:bodyPr/>
+          <a:lstStyle/>
+          <a:p>
+            <a:pPr rtl="0"/>
+            <a:fld id="{E31375A4-56A4-47D6-9801-1991572033F7}" type="slidenum">
+              <a:rPr lang="ru-RU" noProof="0" smtClean="0"/>
+              <a:t>4</a:t>
+            </a:fld>
+            <a:endParaRPr lang="ru-RU" noProof="0" dirty="0"/>
+          </a:p>
+        </p:txBody>
+      </p:sp>
     </p:spTree>
     <p:extLst>
       <p:ext uri="{BB962C8B-B14F-4D97-AF65-F5344CB8AC3E}">
@@ -5772,6 +6086,30 @@
           </a:prstGeom>
         </p:spPr>
       </p:pic>
+      <p:sp>
+        <p:nvSpPr>
+          <p:cNvPr id="5" name="Номер слайда 4"/>
+          <p:cNvSpPr>
+            <a:spLocks noGrp="1"/>
+          </p:cNvSpPr>
+          <p:nvPr>
+            <p:ph type="sldNum" sz="quarter" idx="12"/>
+          </p:nvPr>
+        </p:nvSpPr>
+        <p:spPr/>
+        <p:txBody>
+          <a:bodyPr/>
+          <a:lstStyle/>
+          <a:p>
+            <a:pPr rtl="0"/>
+            <a:fld id="{E31375A4-56A4-47D6-9801-1991572033F7}" type="slidenum">
+              <a:rPr lang="ru-RU" noProof="0" smtClean="0"/>
+              <a:t>5</a:t>
+            </a:fld>
+            <a:endParaRPr lang="ru-RU" noProof="0" dirty="0"/>
+          </a:p>
+        </p:txBody>
+      </p:sp>
     </p:spTree>
     <p:extLst>
       <p:ext uri="{BB962C8B-B14F-4D97-AF65-F5344CB8AC3E}">
@@ -6155,6 +6493,30 @@
           </a:p>
         </p:txBody>
       </p:sp>
+      <p:sp>
+        <p:nvSpPr>
+          <p:cNvPr id="3" name="Номер слайда 2"/>
+          <p:cNvSpPr>
+            <a:spLocks noGrp="1"/>
+          </p:cNvSpPr>
+          <p:nvPr>
+            <p:ph type="sldNum" sz="quarter" idx="12"/>
+          </p:nvPr>
+        </p:nvSpPr>
+        <p:spPr/>
+        <p:txBody>
+          <a:bodyPr/>
+          <a:lstStyle/>
+          <a:p>
+            <a:pPr rtl="0"/>
+            <a:fld id="{E31375A4-56A4-47D6-9801-1991572033F7}" type="slidenum">
+              <a:rPr lang="ru-RU" noProof="0" smtClean="0"/>
+              <a:t>6</a:t>
+            </a:fld>
+            <a:endParaRPr lang="ru-RU" noProof="0" dirty="0"/>
+          </a:p>
+        </p:txBody>
+      </p:sp>
     </p:spTree>
     <p:extLst>
       <p:ext uri="{BB962C8B-B14F-4D97-AF65-F5344CB8AC3E}">
@@ -6406,6 +6768,30 @@
           </a:p>
         </p:txBody>
       </p:sp>
+      <p:sp>
+        <p:nvSpPr>
+          <p:cNvPr id="2" name="Номер слайда 1"/>
+          <p:cNvSpPr>
+            <a:spLocks noGrp="1"/>
+          </p:cNvSpPr>
+          <p:nvPr>
+            <p:ph type="sldNum" sz="quarter" idx="12"/>
+          </p:nvPr>
+        </p:nvSpPr>
+        <p:spPr/>
+        <p:txBody>
+          <a:bodyPr/>
+          <a:lstStyle/>
+          <a:p>
+            <a:pPr rtl="0"/>
+            <a:fld id="{E31375A4-56A4-47D6-9801-1991572033F7}" type="slidenum">
+              <a:rPr lang="ru-RU" noProof="0" smtClean="0"/>
+              <a:t>7</a:t>
+            </a:fld>
+            <a:endParaRPr lang="ru-RU" noProof="0" dirty="0"/>
+          </a:p>
+        </p:txBody>
+      </p:sp>
     </p:spTree>
     <p:extLst>
       <p:ext uri="{BB962C8B-B14F-4D97-AF65-F5344CB8AC3E}">
@@ -6457,33 +6843,52 @@
       </p:grpSpPr>
       <p:sp>
         <p:nvSpPr>
-          <p:cNvPr id="2" name="Заголовок 1"/>
-          <p:cNvSpPr>
-            <a:spLocks noGrp="1"/>
-          </p:cNvSpPr>
-          <p:nvPr>
-            <p:ph type="title"/>
-          </p:nvPr>
-        </p:nvSpPr>
+          <p:cNvPr id="3" name="Номер слайда 2"/>
+          <p:cNvSpPr>
+            <a:spLocks noGrp="1"/>
+          </p:cNvSpPr>
+          <p:nvPr>
+            <p:ph type="sldNum" sz="quarter" idx="12"/>
+          </p:nvPr>
+        </p:nvSpPr>
+        <p:spPr/>
+        <p:txBody>
+          <a:bodyPr/>
+          <a:lstStyle/>
+          <a:p>
+            <a:pPr rtl="0"/>
+            <a:fld id="{E31375A4-56A4-47D6-9801-1991572033F7}" type="slidenum">
+              <a:rPr lang="ru-RU" noProof="0" smtClean="0"/>
+              <a:t>8</a:t>
+            </a:fld>
+            <a:endParaRPr lang="ru-RU" noProof="0" dirty="0"/>
+          </a:p>
+        </p:txBody>
+      </p:sp>
+      <p:pic>
+        <p:nvPicPr>
+          <p:cNvPr id="5" name="Рисунок 4"/>
+          <p:cNvPicPr>
+            <a:picLocks noChangeAspect="1"/>
+          </p:cNvPicPr>
+          <p:nvPr/>
+        </p:nvPicPr>
+        <p:blipFill>
+          <a:blip r:embed="rId2"/>
+          <a:stretch>
+            <a:fillRect/>
+          </a:stretch>
+        </p:blipFill>
         <p:spPr>
           <a:xfrm>
-            <a:off x="1295400" y="311332"/>
-            <a:ext cx="9601200" cy="611777"/>
+            <a:off x="984068" y="0"/>
+            <a:ext cx="9805851" cy="6059031"/>
           </a:xfrm>
+          <a:prstGeom prst="rect">
+            <a:avLst/>
+          </a:prstGeom>
         </p:spPr>
-        <p:txBody>
-          <a:bodyPr/>
-          <a:lstStyle/>
-          <a:p>
-            <a:pPr algn="ctr"/>
-            <a:r>
-              <a:rPr lang="en-US" dirty="0" smtClean="0"/>
-              <a:t>Use case</a:t>
-            </a:r>
-            <a:endParaRPr lang="ru-RU" dirty="0"/>
-          </a:p>
-        </p:txBody>
-      </p:sp>
+      </p:pic>
     </p:spTree>
     <p:extLst>
       <p:ext uri="{BB962C8B-B14F-4D97-AF65-F5344CB8AC3E}">
@@ -6535,188 +6940,56 @@
       </p:grpSpPr>
       <p:sp>
         <p:nvSpPr>
-          <p:cNvPr id="2" name="Заголовок 1"/>
-          <p:cNvSpPr>
-            <a:spLocks noGrp="1"/>
-          </p:cNvSpPr>
-          <p:nvPr>
-            <p:ph type="title"/>
-          </p:nvPr>
-        </p:nvSpPr>
+          <p:cNvPr id="3" name="Номер слайда 2"/>
+          <p:cNvSpPr>
+            <a:spLocks noGrp="1"/>
+          </p:cNvSpPr>
+          <p:nvPr>
+            <p:ph type="sldNum" sz="quarter" idx="12"/>
+          </p:nvPr>
+        </p:nvSpPr>
+        <p:spPr/>
+        <p:txBody>
+          <a:bodyPr/>
+          <a:lstStyle/>
+          <a:p>
+            <a:pPr rtl="0"/>
+            <a:fld id="{E31375A4-56A4-47D6-9801-1991572033F7}" type="slidenum">
+              <a:rPr lang="ru-RU" noProof="0" smtClean="0"/>
+              <a:t>9</a:t>
+            </a:fld>
+            <a:endParaRPr lang="ru-RU" noProof="0" dirty="0"/>
+          </a:p>
+        </p:txBody>
+      </p:sp>
+      <p:pic>
+        <p:nvPicPr>
+          <p:cNvPr id="4" name="Рисунок 3"/>
+          <p:cNvPicPr>
+            <a:picLocks noChangeAspect="1"/>
+          </p:cNvPicPr>
+          <p:nvPr/>
+        </p:nvPicPr>
+        <p:blipFill>
+          <a:blip r:embed="rId2"/>
+          <a:stretch>
+            <a:fillRect/>
+          </a:stretch>
+        </p:blipFill>
         <p:spPr>
           <a:xfrm>
-            <a:off x="1269275" y="487679"/>
-            <a:ext cx="9601200" cy="627017"/>
-          </a:xfrm>
-        </p:spPr>
-        <p:txBody>
-          <a:bodyPr/>
-          <a:lstStyle/>
-          <a:p>
-            <a:pPr algn="ctr"/>
-            <a:r>
-              <a:rPr lang="ru-RU" dirty="0" smtClean="0"/>
-              <a:t>Нефункциональные требования</a:t>
-            </a:r>
-            <a:endParaRPr lang="ru-RU" dirty="0"/>
-          </a:p>
-        </p:txBody>
-      </p:sp>
-      <p:sp>
-        <p:nvSpPr>
-          <p:cNvPr id="3" name="Прямоугольник 2"/>
-          <p:cNvSpPr/>
-          <p:nvPr/>
-        </p:nvSpPr>
-        <p:spPr>
-          <a:xfrm>
-            <a:off x="1924594" y="1523999"/>
-            <a:ext cx="7071360" cy="3416320"/>
+            <a:off x="505097" y="553266"/>
+            <a:ext cx="11068594" cy="5333728"/>
           </a:xfrm>
           <a:prstGeom prst="rect">
             <a:avLst/>
           </a:prstGeom>
         </p:spPr>
-        <p:txBody>
-          <a:bodyPr wrap="square">
-            <a:spAutoFit/>
-          </a:bodyPr>
-          <a:lstStyle/>
-          <a:p>
-            <a:pPr marL="285750" indent="-285750">
-              <a:buFont typeface="Arial" panose="020B0604020202020204" pitchFamily="34" charset="0"/>
-              <a:buChar char="•"/>
-            </a:pPr>
-            <a:r>
-              <a:rPr lang="ru-RU" sz="2400" dirty="0" smtClean="0">
-                <a:solidFill>
-                  <a:schemeClr val="tx2"/>
-                </a:solidFill>
-              </a:rPr>
-              <a:t>Внешние </a:t>
-            </a:r>
-            <a:r>
-              <a:rPr lang="en-US" sz="2400" dirty="0" smtClean="0">
-                <a:solidFill>
-                  <a:schemeClr val="tx2"/>
-                </a:solidFill>
-              </a:rPr>
-              <a:t>API</a:t>
-            </a:r>
-          </a:p>
-          <a:p>
-            <a:pPr marL="742950" lvl="1" indent="-285750">
-              <a:buFont typeface="Arial" panose="020B0604020202020204" pitchFamily="34" charset="0"/>
-              <a:buChar char="•"/>
-            </a:pPr>
-            <a:r>
-              <a:rPr lang="ru-RU" sz="2400" dirty="0" smtClean="0">
-                <a:solidFill>
-                  <a:schemeClr val="tx2"/>
-                </a:solidFill>
-              </a:rPr>
-              <a:t>Карта</a:t>
-            </a:r>
-            <a:r>
-              <a:rPr lang="en-US" sz="2400" dirty="0" smtClean="0">
-                <a:solidFill>
-                  <a:schemeClr val="tx2"/>
-                </a:solidFill>
-              </a:rPr>
-              <a:t> google free map</a:t>
-            </a:r>
-            <a:endParaRPr lang="ru-RU" sz="2400" dirty="0" smtClean="0">
-              <a:solidFill>
-                <a:schemeClr val="tx2"/>
-              </a:solidFill>
-            </a:endParaRPr>
-          </a:p>
-          <a:p>
-            <a:pPr marL="742950" lvl="1" indent="-285750">
-              <a:buFont typeface="Arial" panose="020B0604020202020204" pitchFamily="34" charset="0"/>
-              <a:buChar char="•"/>
-            </a:pPr>
-            <a:r>
-              <a:rPr lang="ru-RU" sz="2400" dirty="0" smtClean="0">
-                <a:solidFill>
-                  <a:schemeClr val="tx2"/>
-                </a:solidFill>
-              </a:rPr>
-              <a:t>Платежные системы</a:t>
-            </a:r>
-          </a:p>
-          <a:p>
-            <a:pPr marL="285750" indent="-285750">
-              <a:buFont typeface="Arial" panose="020B0604020202020204" pitchFamily="34" charset="0"/>
-              <a:buChar char="•"/>
-            </a:pPr>
-            <a:endParaRPr lang="ru-RU" sz="2400" dirty="0" smtClean="0">
-              <a:solidFill>
-                <a:schemeClr val="tx2"/>
-              </a:solidFill>
-            </a:endParaRPr>
-          </a:p>
-          <a:p>
-            <a:pPr marL="285750" indent="-285750">
-              <a:buFont typeface="Arial" panose="020B0604020202020204" pitchFamily="34" charset="0"/>
-              <a:buChar char="•"/>
-            </a:pPr>
-            <a:endParaRPr lang="en-US" sz="2400" dirty="0" smtClean="0">
-              <a:solidFill>
-                <a:schemeClr val="tx2"/>
-              </a:solidFill>
-            </a:endParaRPr>
-          </a:p>
-          <a:p>
-            <a:pPr marL="285750" indent="-285750">
-              <a:buFont typeface="Arial" panose="020B0604020202020204" pitchFamily="34" charset="0"/>
-              <a:buChar char="•"/>
-            </a:pPr>
-            <a:endParaRPr lang="en-US" sz="2400" dirty="0">
-              <a:solidFill>
-                <a:schemeClr val="tx2"/>
-              </a:solidFill>
-            </a:endParaRPr>
-          </a:p>
-          <a:p>
-            <a:pPr marL="285750" indent="-285750">
-              <a:buFont typeface="Arial" panose="020B0604020202020204" pitchFamily="34" charset="0"/>
-              <a:buChar char="•"/>
-            </a:pPr>
-            <a:endParaRPr lang="en-US" sz="2400" dirty="0" smtClean="0">
-              <a:solidFill>
-                <a:schemeClr val="tx2"/>
-              </a:solidFill>
-            </a:endParaRPr>
-          </a:p>
-          <a:p>
-            <a:pPr marL="285750" indent="-285750">
-              <a:buFont typeface="Arial" panose="020B0604020202020204" pitchFamily="34" charset="0"/>
-              <a:buChar char="•"/>
-            </a:pPr>
-            <a:endParaRPr lang="en-US" sz="2400" dirty="0">
-              <a:solidFill>
-                <a:schemeClr val="tx2"/>
-              </a:solidFill>
-            </a:endParaRPr>
-          </a:p>
-          <a:p>
-            <a:pPr marL="285750" indent="-285750">
-              <a:buFont typeface="Arial" panose="020B0604020202020204" pitchFamily="34" charset="0"/>
-              <a:buChar char="•"/>
-            </a:pPr>
-            <a:endParaRPr lang="ru-RU" sz="2400" dirty="0" smtClean="0">
-              <a:solidFill>
-                <a:schemeClr val="tx2"/>
-              </a:solidFill>
-            </a:endParaRPr>
-          </a:p>
-        </p:txBody>
-      </p:sp>
+      </p:pic>
     </p:spTree>
     <p:extLst>
       <p:ext uri="{BB962C8B-B14F-4D97-AF65-F5344CB8AC3E}">
-        <p14:creationId xmlns:p14="http://schemas.microsoft.com/office/powerpoint/2010/main" val="1177478867"/>
+        <p14:creationId xmlns:p14="http://schemas.microsoft.com/office/powerpoint/2010/main" val="3551437410"/>
       </p:ext>
     </p:extLst>
   </p:cSld>
@@ -6735,13 +7008,6 @@
       </p:transition>
     </mc:Fallback>
   </mc:AlternateContent>
-  <p:timing>
-    <p:tnLst>
-      <p:par>
-        <p:cTn id="1" dur="indefinite" restart="never" nodeType="tmRoot"/>
-      </p:par>
-    </p:tnLst>
-  </p:timing>
 </p:sld>
 </file>
 
